--- a/ppt 16-9/0796.在谷中我遇见.pptx
+++ b/ppt 16-9/0796.在谷中我遇见.pptx
@@ -129,7 +129,7 @@
           <p:cNvPr id="2" name="标题 1">
             <a:extLst>
               <a:ext uri="{FF2B5EF4-FFF2-40B4-BE49-F238E27FC236}">
-                <a16:creationId xmlns:a16="http://schemas.microsoft.com/office/drawing/2014/main" id="{7774E41C-148B-B02A-CED4-48C2DAE270C0}"/>
+                <a16:creationId xmlns:a16="http://schemas.microsoft.com/office/drawing/2014/main" id="{CA4AC05E-D6EE-A18D-6BDE-E27125F5CBEC}"/>
               </a:ext>
             </a:extLst>
           </p:cNvPr>
@@ -166,7 +166,7 @@
           <p:cNvPr id="3" name="副标题 2">
             <a:extLst>
               <a:ext uri="{FF2B5EF4-FFF2-40B4-BE49-F238E27FC236}">
-                <a16:creationId xmlns:a16="http://schemas.microsoft.com/office/drawing/2014/main" id="{99543818-123A-2D39-4422-BAB96FB08AEF}"/>
+                <a16:creationId xmlns:a16="http://schemas.microsoft.com/office/drawing/2014/main" id="{B7437DA9-132F-B798-EF84-8BF6002E490A}"/>
               </a:ext>
             </a:extLst>
           </p:cNvPr>
@@ -236,7 +236,7 @@
           <p:cNvPr id="4" name="日期占位符 3">
             <a:extLst>
               <a:ext uri="{FF2B5EF4-FFF2-40B4-BE49-F238E27FC236}">
-                <a16:creationId xmlns:a16="http://schemas.microsoft.com/office/drawing/2014/main" id="{A8182DB2-E94A-4B2F-66A4-B689535ED1ED}"/>
+                <a16:creationId xmlns:a16="http://schemas.microsoft.com/office/drawing/2014/main" id="{894CF88D-1B71-7408-BE11-ADE71C6BCBB1}"/>
               </a:ext>
             </a:extLst>
           </p:cNvPr>
@@ -252,7 +252,7 @@
           <a:bodyPr/>
           <a:lstStyle/>
           <a:p>
-            <a:fld id="{7D308CE7-8877-4FD2-9507-517AD3956A8E}" type="datetimeFigureOut">
+            <a:fld id="{EF2962D4-AD40-4A1C-AAF7-B99DF04BBB00}" type="datetimeFigureOut">
               <a:rPr lang="zh-CN" altLang="en-US" smtClean="0"/>
               <a:t>2024/3/10</a:t>
             </a:fld>
@@ -265,7 +265,7 @@
           <p:cNvPr id="5" name="页脚占位符 4">
             <a:extLst>
               <a:ext uri="{FF2B5EF4-FFF2-40B4-BE49-F238E27FC236}">
-                <a16:creationId xmlns:a16="http://schemas.microsoft.com/office/drawing/2014/main" id="{323A7244-80AA-D2F0-E784-0D93850F7DAC}"/>
+                <a16:creationId xmlns:a16="http://schemas.microsoft.com/office/drawing/2014/main" id="{7215B607-F5FF-6275-0FD5-E01E556D8220}"/>
               </a:ext>
             </a:extLst>
           </p:cNvPr>
@@ -290,7 +290,7 @@
           <p:cNvPr id="6" name="灯片编号占位符 5">
             <a:extLst>
               <a:ext uri="{FF2B5EF4-FFF2-40B4-BE49-F238E27FC236}">
-                <a16:creationId xmlns:a16="http://schemas.microsoft.com/office/drawing/2014/main" id="{00481BDB-A2F6-1F2F-4E2B-BF09CF67BEA1}"/>
+                <a16:creationId xmlns:a16="http://schemas.microsoft.com/office/drawing/2014/main" id="{E41C7296-5861-D3DA-B08E-134C2C2964C4}"/>
               </a:ext>
             </a:extLst>
           </p:cNvPr>
@@ -306,7 +306,7 @@
           <a:bodyPr/>
           <a:lstStyle/>
           <a:p>
-            <a:fld id="{68CE0459-3032-4528-B363-12A9D68B2CE8}" type="slidenum">
+            <a:fld id="{E4E19B1C-6E56-4BDF-95B9-5DC6BD3A00DD}" type="slidenum">
               <a:rPr lang="zh-CN" altLang="en-US" smtClean="0"/>
               <a:t>‹#›</a:t>
             </a:fld>
@@ -317,7 +317,7 @@
     </p:spTree>
     <p:extLst>
       <p:ext uri="{BB962C8B-B14F-4D97-AF65-F5344CB8AC3E}">
-        <p14:creationId xmlns:p14="http://schemas.microsoft.com/office/powerpoint/2010/main" val="4028868002"/>
+        <p14:creationId xmlns:p14="http://schemas.microsoft.com/office/powerpoint/2010/main" val="3598666022"/>
       </p:ext>
     </p:extLst>
   </p:cSld>
@@ -349,7 +349,7 @@
           <p:cNvPr id="2" name="标题 1">
             <a:extLst>
               <a:ext uri="{FF2B5EF4-FFF2-40B4-BE49-F238E27FC236}">
-                <a16:creationId xmlns:a16="http://schemas.microsoft.com/office/drawing/2014/main" id="{FD047B74-A61F-F2C9-0A12-593072B8A42C}"/>
+                <a16:creationId xmlns:a16="http://schemas.microsoft.com/office/drawing/2014/main" id="{0A841492-8D8C-17A1-3A7D-E8D41E863595}"/>
               </a:ext>
             </a:extLst>
           </p:cNvPr>
@@ -377,7 +377,7 @@
           <p:cNvPr id="3" name="竖排文字占位符 2">
             <a:extLst>
               <a:ext uri="{FF2B5EF4-FFF2-40B4-BE49-F238E27FC236}">
-                <a16:creationId xmlns:a16="http://schemas.microsoft.com/office/drawing/2014/main" id="{AA47BF4E-496D-B46C-2795-9DFEBD78F45B}"/>
+                <a16:creationId xmlns:a16="http://schemas.microsoft.com/office/drawing/2014/main" id="{0AD4EDCC-240B-5908-E59C-365E2DD9551C}"/>
               </a:ext>
             </a:extLst>
           </p:cNvPr>
@@ -434,7 +434,7 @@
           <p:cNvPr id="4" name="日期占位符 3">
             <a:extLst>
               <a:ext uri="{FF2B5EF4-FFF2-40B4-BE49-F238E27FC236}">
-                <a16:creationId xmlns:a16="http://schemas.microsoft.com/office/drawing/2014/main" id="{D1B2C82A-BB3E-EF94-60B7-C1F2D8152D29}"/>
+                <a16:creationId xmlns:a16="http://schemas.microsoft.com/office/drawing/2014/main" id="{C1D234EA-0BAF-E99A-3209-B6362324BEE7}"/>
               </a:ext>
             </a:extLst>
           </p:cNvPr>
@@ -450,7 +450,7 @@
           <a:bodyPr/>
           <a:lstStyle/>
           <a:p>
-            <a:fld id="{7D308CE7-8877-4FD2-9507-517AD3956A8E}" type="datetimeFigureOut">
+            <a:fld id="{EF2962D4-AD40-4A1C-AAF7-B99DF04BBB00}" type="datetimeFigureOut">
               <a:rPr lang="zh-CN" altLang="en-US" smtClean="0"/>
               <a:t>2024/3/10</a:t>
             </a:fld>
@@ -463,7 +463,7 @@
           <p:cNvPr id="5" name="页脚占位符 4">
             <a:extLst>
               <a:ext uri="{FF2B5EF4-FFF2-40B4-BE49-F238E27FC236}">
-                <a16:creationId xmlns:a16="http://schemas.microsoft.com/office/drawing/2014/main" id="{AD4B175E-36B5-452E-A4C4-EE41857923C5}"/>
+                <a16:creationId xmlns:a16="http://schemas.microsoft.com/office/drawing/2014/main" id="{4AF67408-0BC7-341A-2843-60D84CE38135}"/>
               </a:ext>
             </a:extLst>
           </p:cNvPr>
@@ -488,7 +488,7 @@
           <p:cNvPr id="6" name="灯片编号占位符 5">
             <a:extLst>
               <a:ext uri="{FF2B5EF4-FFF2-40B4-BE49-F238E27FC236}">
-                <a16:creationId xmlns:a16="http://schemas.microsoft.com/office/drawing/2014/main" id="{B9D1629D-C04C-82C5-8A97-BEB86698E220}"/>
+                <a16:creationId xmlns:a16="http://schemas.microsoft.com/office/drawing/2014/main" id="{3F985510-20C4-9C4D-3A57-7BE23E08EB21}"/>
               </a:ext>
             </a:extLst>
           </p:cNvPr>
@@ -504,7 +504,7 @@
           <a:bodyPr/>
           <a:lstStyle/>
           <a:p>
-            <a:fld id="{68CE0459-3032-4528-B363-12A9D68B2CE8}" type="slidenum">
+            <a:fld id="{E4E19B1C-6E56-4BDF-95B9-5DC6BD3A00DD}" type="slidenum">
               <a:rPr lang="zh-CN" altLang="en-US" smtClean="0"/>
               <a:t>‹#›</a:t>
             </a:fld>
@@ -515,7 +515,7 @@
     </p:spTree>
     <p:extLst>
       <p:ext uri="{BB962C8B-B14F-4D97-AF65-F5344CB8AC3E}">
-        <p14:creationId xmlns:p14="http://schemas.microsoft.com/office/powerpoint/2010/main" val="1561748406"/>
+        <p14:creationId xmlns:p14="http://schemas.microsoft.com/office/powerpoint/2010/main" val="1322205978"/>
       </p:ext>
     </p:extLst>
   </p:cSld>
@@ -547,7 +547,7 @@
           <p:cNvPr id="2" name="竖排标题 1">
             <a:extLst>
               <a:ext uri="{FF2B5EF4-FFF2-40B4-BE49-F238E27FC236}">
-                <a16:creationId xmlns:a16="http://schemas.microsoft.com/office/drawing/2014/main" id="{05EDB1F2-EFB4-6869-D359-A21B8540A61B}"/>
+                <a16:creationId xmlns:a16="http://schemas.microsoft.com/office/drawing/2014/main" id="{76C123DA-2A7A-2067-8858-5C3FA1D776B9}"/>
               </a:ext>
             </a:extLst>
           </p:cNvPr>
@@ -580,7 +580,7 @@
           <p:cNvPr id="3" name="竖排文字占位符 2">
             <a:extLst>
               <a:ext uri="{FF2B5EF4-FFF2-40B4-BE49-F238E27FC236}">
-                <a16:creationId xmlns:a16="http://schemas.microsoft.com/office/drawing/2014/main" id="{64863895-FAF4-2477-5595-258733FCD98F}"/>
+                <a16:creationId xmlns:a16="http://schemas.microsoft.com/office/drawing/2014/main" id="{8BD0FBCE-0E0D-A7F8-9EFC-452F657FC67F}"/>
               </a:ext>
             </a:extLst>
           </p:cNvPr>
@@ -642,7 +642,7 @@
           <p:cNvPr id="4" name="日期占位符 3">
             <a:extLst>
               <a:ext uri="{FF2B5EF4-FFF2-40B4-BE49-F238E27FC236}">
-                <a16:creationId xmlns:a16="http://schemas.microsoft.com/office/drawing/2014/main" id="{BBFD27B0-7551-FBF1-9F3B-46D399D4FD66}"/>
+                <a16:creationId xmlns:a16="http://schemas.microsoft.com/office/drawing/2014/main" id="{8E52BA01-4BCC-AC2D-822D-A666D36741B7}"/>
               </a:ext>
             </a:extLst>
           </p:cNvPr>
@@ -658,7 +658,7 @@
           <a:bodyPr/>
           <a:lstStyle/>
           <a:p>
-            <a:fld id="{7D308CE7-8877-4FD2-9507-517AD3956A8E}" type="datetimeFigureOut">
+            <a:fld id="{EF2962D4-AD40-4A1C-AAF7-B99DF04BBB00}" type="datetimeFigureOut">
               <a:rPr lang="zh-CN" altLang="en-US" smtClean="0"/>
               <a:t>2024/3/10</a:t>
             </a:fld>
@@ -671,7 +671,7 @@
           <p:cNvPr id="5" name="页脚占位符 4">
             <a:extLst>
               <a:ext uri="{FF2B5EF4-FFF2-40B4-BE49-F238E27FC236}">
-                <a16:creationId xmlns:a16="http://schemas.microsoft.com/office/drawing/2014/main" id="{76514E84-9483-9DDD-495A-13879D693DD8}"/>
+                <a16:creationId xmlns:a16="http://schemas.microsoft.com/office/drawing/2014/main" id="{7BC2F7B8-C3DF-95D7-7629-27A5ACFB5BE2}"/>
               </a:ext>
             </a:extLst>
           </p:cNvPr>
@@ -696,7 +696,7 @@
           <p:cNvPr id="6" name="灯片编号占位符 5">
             <a:extLst>
               <a:ext uri="{FF2B5EF4-FFF2-40B4-BE49-F238E27FC236}">
-                <a16:creationId xmlns:a16="http://schemas.microsoft.com/office/drawing/2014/main" id="{9B876C57-6878-9D11-B5F3-42B53365C74C}"/>
+                <a16:creationId xmlns:a16="http://schemas.microsoft.com/office/drawing/2014/main" id="{64481550-524C-B6A7-ACA7-FF5D0B85C548}"/>
               </a:ext>
             </a:extLst>
           </p:cNvPr>
@@ -712,7 +712,7 @@
           <a:bodyPr/>
           <a:lstStyle/>
           <a:p>
-            <a:fld id="{68CE0459-3032-4528-B363-12A9D68B2CE8}" type="slidenum">
+            <a:fld id="{E4E19B1C-6E56-4BDF-95B9-5DC6BD3A00DD}" type="slidenum">
               <a:rPr lang="zh-CN" altLang="en-US" smtClean="0"/>
               <a:t>‹#›</a:t>
             </a:fld>
@@ -723,7 +723,7 @@
     </p:spTree>
     <p:extLst>
       <p:ext uri="{BB962C8B-B14F-4D97-AF65-F5344CB8AC3E}">
-        <p14:creationId xmlns:p14="http://schemas.microsoft.com/office/powerpoint/2010/main" val="2511699620"/>
+        <p14:creationId xmlns:p14="http://schemas.microsoft.com/office/powerpoint/2010/main" val="1388872400"/>
       </p:ext>
     </p:extLst>
   </p:cSld>
@@ -755,7 +755,7 @@
           <p:cNvPr id="2" name="标题 1">
             <a:extLst>
               <a:ext uri="{FF2B5EF4-FFF2-40B4-BE49-F238E27FC236}">
-                <a16:creationId xmlns:a16="http://schemas.microsoft.com/office/drawing/2014/main" id="{B9AC1803-F99F-E242-B93F-11EC9ADB5D78}"/>
+                <a16:creationId xmlns:a16="http://schemas.microsoft.com/office/drawing/2014/main" id="{67E0675A-96DB-96E8-A90B-4A2EAD43C6E4}"/>
               </a:ext>
             </a:extLst>
           </p:cNvPr>
@@ -783,7 +783,7 @@
           <p:cNvPr id="3" name="内容占位符 2">
             <a:extLst>
               <a:ext uri="{FF2B5EF4-FFF2-40B4-BE49-F238E27FC236}">
-                <a16:creationId xmlns:a16="http://schemas.microsoft.com/office/drawing/2014/main" id="{D97D5701-E21C-66DF-9A4B-4895970B7BFE}"/>
+                <a16:creationId xmlns:a16="http://schemas.microsoft.com/office/drawing/2014/main" id="{EF3F9C58-9EB8-46FD-D9E8-E096194AA543}"/>
               </a:ext>
             </a:extLst>
           </p:cNvPr>
@@ -840,7 +840,7 @@
           <p:cNvPr id="4" name="日期占位符 3">
             <a:extLst>
               <a:ext uri="{FF2B5EF4-FFF2-40B4-BE49-F238E27FC236}">
-                <a16:creationId xmlns:a16="http://schemas.microsoft.com/office/drawing/2014/main" id="{11BE74DA-B252-0D37-2600-381832226461}"/>
+                <a16:creationId xmlns:a16="http://schemas.microsoft.com/office/drawing/2014/main" id="{02CE2226-D3AC-769E-E255-C4D32C9ECB2E}"/>
               </a:ext>
             </a:extLst>
           </p:cNvPr>
@@ -856,7 +856,7 @@
           <a:bodyPr/>
           <a:lstStyle/>
           <a:p>
-            <a:fld id="{7D308CE7-8877-4FD2-9507-517AD3956A8E}" type="datetimeFigureOut">
+            <a:fld id="{EF2962D4-AD40-4A1C-AAF7-B99DF04BBB00}" type="datetimeFigureOut">
               <a:rPr lang="zh-CN" altLang="en-US" smtClean="0"/>
               <a:t>2024/3/10</a:t>
             </a:fld>
@@ -869,7 +869,7 @@
           <p:cNvPr id="5" name="页脚占位符 4">
             <a:extLst>
               <a:ext uri="{FF2B5EF4-FFF2-40B4-BE49-F238E27FC236}">
-                <a16:creationId xmlns:a16="http://schemas.microsoft.com/office/drawing/2014/main" id="{AFDD1780-A647-B5C3-321D-6E4F552007CC}"/>
+                <a16:creationId xmlns:a16="http://schemas.microsoft.com/office/drawing/2014/main" id="{F01E079C-FB38-ED45-525E-3B1FEF725257}"/>
               </a:ext>
             </a:extLst>
           </p:cNvPr>
@@ -894,7 +894,7 @@
           <p:cNvPr id="6" name="灯片编号占位符 5">
             <a:extLst>
               <a:ext uri="{FF2B5EF4-FFF2-40B4-BE49-F238E27FC236}">
-                <a16:creationId xmlns:a16="http://schemas.microsoft.com/office/drawing/2014/main" id="{7A89F3E2-686E-498B-71C7-668DC5CCC1EC}"/>
+                <a16:creationId xmlns:a16="http://schemas.microsoft.com/office/drawing/2014/main" id="{41B3E6C7-9375-FC08-8A4B-A43CDB5E8FAC}"/>
               </a:ext>
             </a:extLst>
           </p:cNvPr>
@@ -910,7 +910,7 @@
           <a:bodyPr/>
           <a:lstStyle/>
           <a:p>
-            <a:fld id="{68CE0459-3032-4528-B363-12A9D68B2CE8}" type="slidenum">
+            <a:fld id="{E4E19B1C-6E56-4BDF-95B9-5DC6BD3A00DD}" type="slidenum">
               <a:rPr lang="zh-CN" altLang="en-US" smtClean="0"/>
               <a:t>‹#›</a:t>
             </a:fld>
@@ -921,7 +921,7 @@
     </p:spTree>
     <p:extLst>
       <p:ext uri="{BB962C8B-B14F-4D97-AF65-F5344CB8AC3E}">
-        <p14:creationId xmlns:p14="http://schemas.microsoft.com/office/powerpoint/2010/main" val="4252972354"/>
+        <p14:creationId xmlns:p14="http://schemas.microsoft.com/office/powerpoint/2010/main" val="2473830201"/>
       </p:ext>
     </p:extLst>
   </p:cSld>
@@ -953,7 +953,7 @@
           <p:cNvPr id="2" name="标题 1">
             <a:extLst>
               <a:ext uri="{FF2B5EF4-FFF2-40B4-BE49-F238E27FC236}">
-                <a16:creationId xmlns:a16="http://schemas.microsoft.com/office/drawing/2014/main" id="{6564A380-F8A9-F07C-5004-C1DBC685E9B4}"/>
+                <a16:creationId xmlns:a16="http://schemas.microsoft.com/office/drawing/2014/main" id="{B42ED7DE-F61B-07E0-CA13-6877A3FACB6D}"/>
               </a:ext>
             </a:extLst>
           </p:cNvPr>
@@ -990,7 +990,7 @@
           <p:cNvPr id="3" name="文本占位符 2">
             <a:extLst>
               <a:ext uri="{FF2B5EF4-FFF2-40B4-BE49-F238E27FC236}">
-                <a16:creationId xmlns:a16="http://schemas.microsoft.com/office/drawing/2014/main" id="{D2D8C1BA-40DC-F25E-281F-028B41477671}"/>
+                <a16:creationId xmlns:a16="http://schemas.microsoft.com/office/drawing/2014/main" id="{6D0B754C-3A45-4ABF-59F1-75C7D5CE047B}"/>
               </a:ext>
             </a:extLst>
           </p:cNvPr>
@@ -1115,7 +1115,7 @@
           <p:cNvPr id="4" name="日期占位符 3">
             <a:extLst>
               <a:ext uri="{FF2B5EF4-FFF2-40B4-BE49-F238E27FC236}">
-                <a16:creationId xmlns:a16="http://schemas.microsoft.com/office/drawing/2014/main" id="{7F59E2A5-378A-9004-8842-7BFED9629186}"/>
+                <a16:creationId xmlns:a16="http://schemas.microsoft.com/office/drawing/2014/main" id="{648C0357-C3A0-9E72-890C-E34F60EFC60F}"/>
               </a:ext>
             </a:extLst>
           </p:cNvPr>
@@ -1131,7 +1131,7 @@
           <a:bodyPr/>
           <a:lstStyle/>
           <a:p>
-            <a:fld id="{7D308CE7-8877-4FD2-9507-517AD3956A8E}" type="datetimeFigureOut">
+            <a:fld id="{EF2962D4-AD40-4A1C-AAF7-B99DF04BBB00}" type="datetimeFigureOut">
               <a:rPr lang="zh-CN" altLang="en-US" smtClean="0"/>
               <a:t>2024/3/10</a:t>
             </a:fld>
@@ -1144,7 +1144,7 @@
           <p:cNvPr id="5" name="页脚占位符 4">
             <a:extLst>
               <a:ext uri="{FF2B5EF4-FFF2-40B4-BE49-F238E27FC236}">
-                <a16:creationId xmlns:a16="http://schemas.microsoft.com/office/drawing/2014/main" id="{CE3AEE1A-0CD8-B7C7-9D0B-496E97984A7F}"/>
+                <a16:creationId xmlns:a16="http://schemas.microsoft.com/office/drawing/2014/main" id="{0255CA32-35F6-CCE5-46B8-BA8707561E08}"/>
               </a:ext>
             </a:extLst>
           </p:cNvPr>
@@ -1169,7 +1169,7 @@
           <p:cNvPr id="6" name="灯片编号占位符 5">
             <a:extLst>
               <a:ext uri="{FF2B5EF4-FFF2-40B4-BE49-F238E27FC236}">
-                <a16:creationId xmlns:a16="http://schemas.microsoft.com/office/drawing/2014/main" id="{1E742BFE-E74A-43B5-CFBA-FE911C2F3B8F}"/>
+                <a16:creationId xmlns:a16="http://schemas.microsoft.com/office/drawing/2014/main" id="{50522822-92B9-C28A-053E-0213DDF05146}"/>
               </a:ext>
             </a:extLst>
           </p:cNvPr>
@@ -1185,7 +1185,7 @@
           <a:bodyPr/>
           <a:lstStyle/>
           <a:p>
-            <a:fld id="{68CE0459-3032-4528-B363-12A9D68B2CE8}" type="slidenum">
+            <a:fld id="{E4E19B1C-6E56-4BDF-95B9-5DC6BD3A00DD}" type="slidenum">
               <a:rPr lang="zh-CN" altLang="en-US" smtClean="0"/>
               <a:t>‹#›</a:t>
             </a:fld>
@@ -1196,7 +1196,7 @@
     </p:spTree>
     <p:extLst>
       <p:ext uri="{BB962C8B-B14F-4D97-AF65-F5344CB8AC3E}">
-        <p14:creationId xmlns:p14="http://schemas.microsoft.com/office/powerpoint/2010/main" val="450024012"/>
+        <p14:creationId xmlns:p14="http://schemas.microsoft.com/office/powerpoint/2010/main" val="2977731603"/>
       </p:ext>
     </p:extLst>
   </p:cSld>
@@ -1228,7 +1228,7 @@
           <p:cNvPr id="2" name="标题 1">
             <a:extLst>
               <a:ext uri="{FF2B5EF4-FFF2-40B4-BE49-F238E27FC236}">
-                <a16:creationId xmlns:a16="http://schemas.microsoft.com/office/drawing/2014/main" id="{BF5D4AB2-72D5-585A-B7E2-8E37B35E1FCB}"/>
+                <a16:creationId xmlns:a16="http://schemas.microsoft.com/office/drawing/2014/main" id="{AC4ED0A5-1D59-B7E6-318E-F71BFDDDD047}"/>
               </a:ext>
             </a:extLst>
           </p:cNvPr>
@@ -1256,7 +1256,7 @@
           <p:cNvPr id="3" name="内容占位符 2">
             <a:extLst>
               <a:ext uri="{FF2B5EF4-FFF2-40B4-BE49-F238E27FC236}">
-                <a16:creationId xmlns:a16="http://schemas.microsoft.com/office/drawing/2014/main" id="{AA654103-4125-7464-7F4F-DA384CC7232A}"/>
+                <a16:creationId xmlns:a16="http://schemas.microsoft.com/office/drawing/2014/main" id="{CF4D6869-CCBD-F8FC-16BB-23AADF23AAD4}"/>
               </a:ext>
             </a:extLst>
           </p:cNvPr>
@@ -1318,7 +1318,7 @@
           <p:cNvPr id="4" name="内容占位符 3">
             <a:extLst>
               <a:ext uri="{FF2B5EF4-FFF2-40B4-BE49-F238E27FC236}">
-                <a16:creationId xmlns:a16="http://schemas.microsoft.com/office/drawing/2014/main" id="{0E236899-AF11-04FC-133F-8B13FE81234D}"/>
+                <a16:creationId xmlns:a16="http://schemas.microsoft.com/office/drawing/2014/main" id="{3EF96D95-1B4B-4266-04F4-EBF50E49EA27}"/>
               </a:ext>
             </a:extLst>
           </p:cNvPr>
@@ -1380,7 +1380,7 @@
           <p:cNvPr id="5" name="日期占位符 4">
             <a:extLst>
               <a:ext uri="{FF2B5EF4-FFF2-40B4-BE49-F238E27FC236}">
-                <a16:creationId xmlns:a16="http://schemas.microsoft.com/office/drawing/2014/main" id="{478E7D53-5740-A701-F940-CEB555DB4ABE}"/>
+                <a16:creationId xmlns:a16="http://schemas.microsoft.com/office/drawing/2014/main" id="{4662D55F-6362-45FF-5F4C-00E23F2D4D8E}"/>
               </a:ext>
             </a:extLst>
           </p:cNvPr>
@@ -1396,7 +1396,7 @@
           <a:bodyPr/>
           <a:lstStyle/>
           <a:p>
-            <a:fld id="{7D308CE7-8877-4FD2-9507-517AD3956A8E}" type="datetimeFigureOut">
+            <a:fld id="{EF2962D4-AD40-4A1C-AAF7-B99DF04BBB00}" type="datetimeFigureOut">
               <a:rPr lang="zh-CN" altLang="en-US" smtClean="0"/>
               <a:t>2024/3/10</a:t>
             </a:fld>
@@ -1409,7 +1409,7 @@
           <p:cNvPr id="6" name="页脚占位符 5">
             <a:extLst>
               <a:ext uri="{FF2B5EF4-FFF2-40B4-BE49-F238E27FC236}">
-                <a16:creationId xmlns:a16="http://schemas.microsoft.com/office/drawing/2014/main" id="{7B4A4802-7F14-EB31-9646-5ABD3E4BDFA4}"/>
+                <a16:creationId xmlns:a16="http://schemas.microsoft.com/office/drawing/2014/main" id="{40F3F37E-153D-E40E-5E46-11A3DC5D55BE}"/>
               </a:ext>
             </a:extLst>
           </p:cNvPr>
@@ -1434,7 +1434,7 @@
           <p:cNvPr id="7" name="灯片编号占位符 6">
             <a:extLst>
               <a:ext uri="{FF2B5EF4-FFF2-40B4-BE49-F238E27FC236}">
-                <a16:creationId xmlns:a16="http://schemas.microsoft.com/office/drawing/2014/main" id="{1C567C60-FA0D-E398-873F-1D51D85537CC}"/>
+                <a16:creationId xmlns:a16="http://schemas.microsoft.com/office/drawing/2014/main" id="{34F04100-8A21-86A2-24BB-CAD8838EB399}"/>
               </a:ext>
             </a:extLst>
           </p:cNvPr>
@@ -1450,7 +1450,7 @@
           <a:bodyPr/>
           <a:lstStyle/>
           <a:p>
-            <a:fld id="{68CE0459-3032-4528-B363-12A9D68B2CE8}" type="slidenum">
+            <a:fld id="{E4E19B1C-6E56-4BDF-95B9-5DC6BD3A00DD}" type="slidenum">
               <a:rPr lang="zh-CN" altLang="en-US" smtClean="0"/>
               <a:t>‹#›</a:t>
             </a:fld>
@@ -1461,7 +1461,7 @@
     </p:spTree>
     <p:extLst>
       <p:ext uri="{BB962C8B-B14F-4D97-AF65-F5344CB8AC3E}">
-        <p14:creationId xmlns:p14="http://schemas.microsoft.com/office/powerpoint/2010/main" val="4079278078"/>
+        <p14:creationId xmlns:p14="http://schemas.microsoft.com/office/powerpoint/2010/main" val="54147708"/>
       </p:ext>
     </p:extLst>
   </p:cSld>
@@ -1493,7 +1493,7 @@
           <p:cNvPr id="2" name="标题 1">
             <a:extLst>
               <a:ext uri="{FF2B5EF4-FFF2-40B4-BE49-F238E27FC236}">
-                <a16:creationId xmlns:a16="http://schemas.microsoft.com/office/drawing/2014/main" id="{59E6E4BC-3CB4-F717-3656-8EC42BE9D7D5}"/>
+                <a16:creationId xmlns:a16="http://schemas.microsoft.com/office/drawing/2014/main" id="{29AF1EC0-B2ED-BCB0-F293-972D14E10165}"/>
               </a:ext>
             </a:extLst>
           </p:cNvPr>
@@ -1526,7 +1526,7 @@
           <p:cNvPr id="3" name="文本占位符 2">
             <a:extLst>
               <a:ext uri="{FF2B5EF4-FFF2-40B4-BE49-F238E27FC236}">
-                <a16:creationId xmlns:a16="http://schemas.microsoft.com/office/drawing/2014/main" id="{09004F89-9D70-717D-BDB3-CF880C65B2DC}"/>
+                <a16:creationId xmlns:a16="http://schemas.microsoft.com/office/drawing/2014/main" id="{4722B7DD-42B9-EF32-3869-01EF34E22B51}"/>
               </a:ext>
             </a:extLst>
           </p:cNvPr>
@@ -1597,7 +1597,7 @@
           <p:cNvPr id="4" name="内容占位符 3">
             <a:extLst>
               <a:ext uri="{FF2B5EF4-FFF2-40B4-BE49-F238E27FC236}">
-                <a16:creationId xmlns:a16="http://schemas.microsoft.com/office/drawing/2014/main" id="{372DE4E2-03F9-AD2A-CB22-9E69487B42AD}"/>
+                <a16:creationId xmlns:a16="http://schemas.microsoft.com/office/drawing/2014/main" id="{3066D38D-454A-AE9C-ACF1-0602F71AC78E}"/>
               </a:ext>
             </a:extLst>
           </p:cNvPr>
@@ -1659,7 +1659,7 @@
           <p:cNvPr id="5" name="文本占位符 4">
             <a:extLst>
               <a:ext uri="{FF2B5EF4-FFF2-40B4-BE49-F238E27FC236}">
-                <a16:creationId xmlns:a16="http://schemas.microsoft.com/office/drawing/2014/main" id="{607E1B5D-F319-327A-5604-D7C2B661403F}"/>
+                <a16:creationId xmlns:a16="http://schemas.microsoft.com/office/drawing/2014/main" id="{14340D10-CF0C-5C97-D090-DF7A3F419334}"/>
               </a:ext>
             </a:extLst>
           </p:cNvPr>
@@ -1730,7 +1730,7 @@
           <p:cNvPr id="6" name="内容占位符 5">
             <a:extLst>
               <a:ext uri="{FF2B5EF4-FFF2-40B4-BE49-F238E27FC236}">
-                <a16:creationId xmlns:a16="http://schemas.microsoft.com/office/drawing/2014/main" id="{ED8F2E4D-B412-0AB0-5BD5-F3C653888BC8}"/>
+                <a16:creationId xmlns:a16="http://schemas.microsoft.com/office/drawing/2014/main" id="{ABC30C4A-43A8-5E07-0D40-8B6C6818E6A7}"/>
               </a:ext>
             </a:extLst>
           </p:cNvPr>
@@ -1792,7 +1792,7 @@
           <p:cNvPr id="7" name="日期占位符 6">
             <a:extLst>
               <a:ext uri="{FF2B5EF4-FFF2-40B4-BE49-F238E27FC236}">
-                <a16:creationId xmlns:a16="http://schemas.microsoft.com/office/drawing/2014/main" id="{5AA26DF6-946C-DA06-6CD1-A6994A621D8C}"/>
+                <a16:creationId xmlns:a16="http://schemas.microsoft.com/office/drawing/2014/main" id="{870EC638-6580-0CA9-18A4-2FE69CE8D93B}"/>
               </a:ext>
             </a:extLst>
           </p:cNvPr>
@@ -1808,7 +1808,7 @@
           <a:bodyPr/>
           <a:lstStyle/>
           <a:p>
-            <a:fld id="{7D308CE7-8877-4FD2-9507-517AD3956A8E}" type="datetimeFigureOut">
+            <a:fld id="{EF2962D4-AD40-4A1C-AAF7-B99DF04BBB00}" type="datetimeFigureOut">
               <a:rPr lang="zh-CN" altLang="en-US" smtClean="0"/>
               <a:t>2024/3/10</a:t>
             </a:fld>
@@ -1821,7 +1821,7 @@
           <p:cNvPr id="8" name="页脚占位符 7">
             <a:extLst>
               <a:ext uri="{FF2B5EF4-FFF2-40B4-BE49-F238E27FC236}">
-                <a16:creationId xmlns:a16="http://schemas.microsoft.com/office/drawing/2014/main" id="{231D53AE-DE1C-91FE-066E-C63B8D13F6B5}"/>
+                <a16:creationId xmlns:a16="http://schemas.microsoft.com/office/drawing/2014/main" id="{E24DF93F-CC7B-5AEC-D2A7-4DDB7C2A5841}"/>
               </a:ext>
             </a:extLst>
           </p:cNvPr>
@@ -1846,7 +1846,7 @@
           <p:cNvPr id="9" name="灯片编号占位符 8">
             <a:extLst>
               <a:ext uri="{FF2B5EF4-FFF2-40B4-BE49-F238E27FC236}">
-                <a16:creationId xmlns:a16="http://schemas.microsoft.com/office/drawing/2014/main" id="{8825A65D-A01B-3D64-54D6-6C9B616F99E6}"/>
+                <a16:creationId xmlns:a16="http://schemas.microsoft.com/office/drawing/2014/main" id="{D5970BEC-687C-4E72-E586-140A664474AF}"/>
               </a:ext>
             </a:extLst>
           </p:cNvPr>
@@ -1862,7 +1862,7 @@
           <a:bodyPr/>
           <a:lstStyle/>
           <a:p>
-            <a:fld id="{68CE0459-3032-4528-B363-12A9D68B2CE8}" type="slidenum">
+            <a:fld id="{E4E19B1C-6E56-4BDF-95B9-5DC6BD3A00DD}" type="slidenum">
               <a:rPr lang="zh-CN" altLang="en-US" smtClean="0"/>
               <a:t>‹#›</a:t>
             </a:fld>
@@ -1873,7 +1873,7 @@
     </p:spTree>
     <p:extLst>
       <p:ext uri="{BB962C8B-B14F-4D97-AF65-F5344CB8AC3E}">
-        <p14:creationId xmlns:p14="http://schemas.microsoft.com/office/powerpoint/2010/main" val="2653275798"/>
+        <p14:creationId xmlns:p14="http://schemas.microsoft.com/office/powerpoint/2010/main" val="333137359"/>
       </p:ext>
     </p:extLst>
   </p:cSld>
@@ -1905,7 +1905,7 @@
           <p:cNvPr id="2" name="标题 1">
             <a:extLst>
               <a:ext uri="{FF2B5EF4-FFF2-40B4-BE49-F238E27FC236}">
-                <a16:creationId xmlns:a16="http://schemas.microsoft.com/office/drawing/2014/main" id="{FA7809DD-65E0-D908-2023-F4F2E71FCE64}"/>
+                <a16:creationId xmlns:a16="http://schemas.microsoft.com/office/drawing/2014/main" id="{CF062C47-E0E8-836B-C51C-97AB52D73BD7}"/>
               </a:ext>
             </a:extLst>
           </p:cNvPr>
@@ -1933,7 +1933,7 @@
           <p:cNvPr id="3" name="日期占位符 2">
             <a:extLst>
               <a:ext uri="{FF2B5EF4-FFF2-40B4-BE49-F238E27FC236}">
-                <a16:creationId xmlns:a16="http://schemas.microsoft.com/office/drawing/2014/main" id="{2EFC7319-C6C3-C0A7-4112-794A4FF2953B}"/>
+                <a16:creationId xmlns:a16="http://schemas.microsoft.com/office/drawing/2014/main" id="{717A5EC2-80E7-B988-FE4E-C4DD0AFA007A}"/>
               </a:ext>
             </a:extLst>
           </p:cNvPr>
@@ -1949,7 +1949,7 @@
           <a:bodyPr/>
           <a:lstStyle/>
           <a:p>
-            <a:fld id="{7D308CE7-8877-4FD2-9507-517AD3956A8E}" type="datetimeFigureOut">
+            <a:fld id="{EF2962D4-AD40-4A1C-AAF7-B99DF04BBB00}" type="datetimeFigureOut">
               <a:rPr lang="zh-CN" altLang="en-US" smtClean="0"/>
               <a:t>2024/3/10</a:t>
             </a:fld>
@@ -1962,7 +1962,7 @@
           <p:cNvPr id="4" name="页脚占位符 3">
             <a:extLst>
               <a:ext uri="{FF2B5EF4-FFF2-40B4-BE49-F238E27FC236}">
-                <a16:creationId xmlns:a16="http://schemas.microsoft.com/office/drawing/2014/main" id="{FB90FE6A-D8D9-8D71-CA4B-EF0775DA9D9C}"/>
+                <a16:creationId xmlns:a16="http://schemas.microsoft.com/office/drawing/2014/main" id="{F6E014AE-B303-EEAC-1F63-79E3AA0AEA31}"/>
               </a:ext>
             </a:extLst>
           </p:cNvPr>
@@ -1987,7 +1987,7 @@
           <p:cNvPr id="5" name="灯片编号占位符 4">
             <a:extLst>
               <a:ext uri="{FF2B5EF4-FFF2-40B4-BE49-F238E27FC236}">
-                <a16:creationId xmlns:a16="http://schemas.microsoft.com/office/drawing/2014/main" id="{AB478A1C-CE78-1B72-EC69-09DD0D3C1692}"/>
+                <a16:creationId xmlns:a16="http://schemas.microsoft.com/office/drawing/2014/main" id="{A7A23E26-C44C-13E8-A22F-522AB78B3DB2}"/>
               </a:ext>
             </a:extLst>
           </p:cNvPr>
@@ -2003,7 +2003,7 @@
           <a:bodyPr/>
           <a:lstStyle/>
           <a:p>
-            <a:fld id="{68CE0459-3032-4528-B363-12A9D68B2CE8}" type="slidenum">
+            <a:fld id="{E4E19B1C-6E56-4BDF-95B9-5DC6BD3A00DD}" type="slidenum">
               <a:rPr lang="zh-CN" altLang="en-US" smtClean="0"/>
               <a:t>‹#›</a:t>
             </a:fld>
@@ -2014,7 +2014,7 @@
     </p:spTree>
     <p:extLst>
       <p:ext uri="{BB962C8B-B14F-4D97-AF65-F5344CB8AC3E}">
-        <p14:creationId xmlns:p14="http://schemas.microsoft.com/office/powerpoint/2010/main" val="2431950614"/>
+        <p14:creationId xmlns:p14="http://schemas.microsoft.com/office/powerpoint/2010/main" val="2102782597"/>
       </p:ext>
     </p:extLst>
   </p:cSld>
@@ -2046,7 +2046,7 @@
           <p:cNvPr id="2" name="日期占位符 1">
             <a:extLst>
               <a:ext uri="{FF2B5EF4-FFF2-40B4-BE49-F238E27FC236}">
-                <a16:creationId xmlns:a16="http://schemas.microsoft.com/office/drawing/2014/main" id="{E73FFED4-95FC-5C8F-1DE1-39CF89D7FFE9}"/>
+                <a16:creationId xmlns:a16="http://schemas.microsoft.com/office/drawing/2014/main" id="{1AF6B3CB-5E18-103D-4B33-21432FD258DF}"/>
               </a:ext>
             </a:extLst>
           </p:cNvPr>
@@ -2062,7 +2062,7 @@
           <a:bodyPr/>
           <a:lstStyle/>
           <a:p>
-            <a:fld id="{7D308CE7-8877-4FD2-9507-517AD3956A8E}" type="datetimeFigureOut">
+            <a:fld id="{EF2962D4-AD40-4A1C-AAF7-B99DF04BBB00}" type="datetimeFigureOut">
               <a:rPr lang="zh-CN" altLang="en-US" smtClean="0"/>
               <a:t>2024/3/10</a:t>
             </a:fld>
@@ -2075,7 +2075,7 @@
           <p:cNvPr id="3" name="页脚占位符 2">
             <a:extLst>
               <a:ext uri="{FF2B5EF4-FFF2-40B4-BE49-F238E27FC236}">
-                <a16:creationId xmlns:a16="http://schemas.microsoft.com/office/drawing/2014/main" id="{03CC8F0B-A3A2-3256-FEF4-DF6E61DD77C9}"/>
+                <a16:creationId xmlns:a16="http://schemas.microsoft.com/office/drawing/2014/main" id="{FEDE4B4C-3054-D769-1C15-47C77A5EA3A5}"/>
               </a:ext>
             </a:extLst>
           </p:cNvPr>
@@ -2100,7 +2100,7 @@
           <p:cNvPr id="4" name="灯片编号占位符 3">
             <a:extLst>
               <a:ext uri="{FF2B5EF4-FFF2-40B4-BE49-F238E27FC236}">
-                <a16:creationId xmlns:a16="http://schemas.microsoft.com/office/drawing/2014/main" id="{B2DD3622-EABB-21C3-33A2-553A17325B6C}"/>
+                <a16:creationId xmlns:a16="http://schemas.microsoft.com/office/drawing/2014/main" id="{E01DE964-E45A-9175-FE1F-3E46AC5EF159}"/>
               </a:ext>
             </a:extLst>
           </p:cNvPr>
@@ -2116,7 +2116,7 @@
           <a:bodyPr/>
           <a:lstStyle/>
           <a:p>
-            <a:fld id="{68CE0459-3032-4528-B363-12A9D68B2CE8}" type="slidenum">
+            <a:fld id="{E4E19B1C-6E56-4BDF-95B9-5DC6BD3A00DD}" type="slidenum">
               <a:rPr lang="zh-CN" altLang="en-US" smtClean="0"/>
               <a:t>‹#›</a:t>
             </a:fld>
@@ -2127,7 +2127,7 @@
     </p:spTree>
     <p:extLst>
       <p:ext uri="{BB962C8B-B14F-4D97-AF65-F5344CB8AC3E}">
-        <p14:creationId xmlns:p14="http://schemas.microsoft.com/office/powerpoint/2010/main" val="1517534581"/>
+        <p14:creationId xmlns:p14="http://schemas.microsoft.com/office/powerpoint/2010/main" val="1186630083"/>
       </p:ext>
     </p:extLst>
   </p:cSld>
@@ -2159,7 +2159,7 @@
           <p:cNvPr id="2" name="标题 1">
             <a:extLst>
               <a:ext uri="{FF2B5EF4-FFF2-40B4-BE49-F238E27FC236}">
-                <a16:creationId xmlns:a16="http://schemas.microsoft.com/office/drawing/2014/main" id="{ACED2E34-7CCC-F805-92C5-986A512D9325}"/>
+                <a16:creationId xmlns:a16="http://schemas.microsoft.com/office/drawing/2014/main" id="{1ED2097D-274E-8448-EC65-B1D59FC6E923}"/>
               </a:ext>
             </a:extLst>
           </p:cNvPr>
@@ -2196,7 +2196,7 @@
           <p:cNvPr id="3" name="内容占位符 2">
             <a:extLst>
               <a:ext uri="{FF2B5EF4-FFF2-40B4-BE49-F238E27FC236}">
-                <a16:creationId xmlns:a16="http://schemas.microsoft.com/office/drawing/2014/main" id="{CA540526-879A-AA58-3EEA-1366DBDB85D2}"/>
+                <a16:creationId xmlns:a16="http://schemas.microsoft.com/office/drawing/2014/main" id="{ED233286-5D4A-1891-0EE2-9647D8A7A5D1}"/>
               </a:ext>
             </a:extLst>
           </p:cNvPr>
@@ -2286,7 +2286,7 @@
           <p:cNvPr id="4" name="文本占位符 3">
             <a:extLst>
               <a:ext uri="{FF2B5EF4-FFF2-40B4-BE49-F238E27FC236}">
-                <a16:creationId xmlns:a16="http://schemas.microsoft.com/office/drawing/2014/main" id="{86944C82-8D70-C10F-7C0A-2452C582CC8C}"/>
+                <a16:creationId xmlns:a16="http://schemas.microsoft.com/office/drawing/2014/main" id="{80277134-610F-CC04-D1E7-427195270389}"/>
               </a:ext>
             </a:extLst>
           </p:cNvPr>
@@ -2357,7 +2357,7 @@
           <p:cNvPr id="5" name="日期占位符 4">
             <a:extLst>
               <a:ext uri="{FF2B5EF4-FFF2-40B4-BE49-F238E27FC236}">
-                <a16:creationId xmlns:a16="http://schemas.microsoft.com/office/drawing/2014/main" id="{1DCBE8F7-0303-6E9A-4ED2-71192D2B927B}"/>
+                <a16:creationId xmlns:a16="http://schemas.microsoft.com/office/drawing/2014/main" id="{8306E89B-03C5-A72E-E038-51279768DF6E}"/>
               </a:ext>
             </a:extLst>
           </p:cNvPr>
@@ -2373,7 +2373,7 @@
           <a:bodyPr/>
           <a:lstStyle/>
           <a:p>
-            <a:fld id="{7D308CE7-8877-4FD2-9507-517AD3956A8E}" type="datetimeFigureOut">
+            <a:fld id="{EF2962D4-AD40-4A1C-AAF7-B99DF04BBB00}" type="datetimeFigureOut">
               <a:rPr lang="zh-CN" altLang="en-US" smtClean="0"/>
               <a:t>2024/3/10</a:t>
             </a:fld>
@@ -2386,7 +2386,7 @@
           <p:cNvPr id="6" name="页脚占位符 5">
             <a:extLst>
               <a:ext uri="{FF2B5EF4-FFF2-40B4-BE49-F238E27FC236}">
-                <a16:creationId xmlns:a16="http://schemas.microsoft.com/office/drawing/2014/main" id="{63A75231-B984-01B9-1C56-31C9C5AED964}"/>
+                <a16:creationId xmlns:a16="http://schemas.microsoft.com/office/drawing/2014/main" id="{5D519201-74AE-C058-98EE-2052D16FD908}"/>
               </a:ext>
             </a:extLst>
           </p:cNvPr>
@@ -2411,7 +2411,7 @@
           <p:cNvPr id="7" name="灯片编号占位符 6">
             <a:extLst>
               <a:ext uri="{FF2B5EF4-FFF2-40B4-BE49-F238E27FC236}">
-                <a16:creationId xmlns:a16="http://schemas.microsoft.com/office/drawing/2014/main" id="{EC2D68AB-2D77-6638-0FF6-98B896205DB3}"/>
+                <a16:creationId xmlns:a16="http://schemas.microsoft.com/office/drawing/2014/main" id="{C930C412-93DC-636C-4A15-9996A8869879}"/>
               </a:ext>
             </a:extLst>
           </p:cNvPr>
@@ -2427,7 +2427,7 @@
           <a:bodyPr/>
           <a:lstStyle/>
           <a:p>
-            <a:fld id="{68CE0459-3032-4528-B363-12A9D68B2CE8}" type="slidenum">
+            <a:fld id="{E4E19B1C-6E56-4BDF-95B9-5DC6BD3A00DD}" type="slidenum">
               <a:rPr lang="zh-CN" altLang="en-US" smtClean="0"/>
               <a:t>‹#›</a:t>
             </a:fld>
@@ -2438,7 +2438,7 @@
     </p:spTree>
     <p:extLst>
       <p:ext uri="{BB962C8B-B14F-4D97-AF65-F5344CB8AC3E}">
-        <p14:creationId xmlns:p14="http://schemas.microsoft.com/office/powerpoint/2010/main" val="3956923522"/>
+        <p14:creationId xmlns:p14="http://schemas.microsoft.com/office/powerpoint/2010/main" val="2293130871"/>
       </p:ext>
     </p:extLst>
   </p:cSld>
@@ -2470,7 +2470,7 @@
           <p:cNvPr id="2" name="标题 1">
             <a:extLst>
               <a:ext uri="{FF2B5EF4-FFF2-40B4-BE49-F238E27FC236}">
-                <a16:creationId xmlns:a16="http://schemas.microsoft.com/office/drawing/2014/main" id="{F56C524C-3395-2345-BED8-9A4D663E86F7}"/>
+                <a16:creationId xmlns:a16="http://schemas.microsoft.com/office/drawing/2014/main" id="{DBD7A769-1299-1AE3-007D-00486E9B528D}"/>
               </a:ext>
             </a:extLst>
           </p:cNvPr>
@@ -2507,7 +2507,7 @@
           <p:cNvPr id="3" name="图片占位符 2">
             <a:extLst>
               <a:ext uri="{FF2B5EF4-FFF2-40B4-BE49-F238E27FC236}">
-                <a16:creationId xmlns:a16="http://schemas.microsoft.com/office/drawing/2014/main" id="{978D1720-7C3F-A681-C249-8819E4F3975D}"/>
+                <a16:creationId xmlns:a16="http://schemas.microsoft.com/office/drawing/2014/main" id="{D7A258B9-AAB5-645B-FC40-6B67FDD8BB20}"/>
               </a:ext>
             </a:extLst>
           </p:cNvPr>
@@ -2574,7 +2574,7 @@
           <p:cNvPr id="4" name="文本占位符 3">
             <a:extLst>
               <a:ext uri="{FF2B5EF4-FFF2-40B4-BE49-F238E27FC236}">
-                <a16:creationId xmlns:a16="http://schemas.microsoft.com/office/drawing/2014/main" id="{373E1429-332B-3A4D-D52A-010243CCC2EA}"/>
+                <a16:creationId xmlns:a16="http://schemas.microsoft.com/office/drawing/2014/main" id="{B0055FAD-BE79-703B-C6C9-DB931F6B3BDA}"/>
               </a:ext>
             </a:extLst>
           </p:cNvPr>
@@ -2645,7 +2645,7 @@
           <p:cNvPr id="5" name="日期占位符 4">
             <a:extLst>
               <a:ext uri="{FF2B5EF4-FFF2-40B4-BE49-F238E27FC236}">
-                <a16:creationId xmlns:a16="http://schemas.microsoft.com/office/drawing/2014/main" id="{64A2B2DC-8DE5-2E48-98DD-3B57E516E816}"/>
+                <a16:creationId xmlns:a16="http://schemas.microsoft.com/office/drawing/2014/main" id="{9A7C95D4-5E5E-BF7F-6337-DC0EE4DDE31C}"/>
               </a:ext>
             </a:extLst>
           </p:cNvPr>
@@ -2661,7 +2661,7 @@
           <a:bodyPr/>
           <a:lstStyle/>
           <a:p>
-            <a:fld id="{7D308CE7-8877-4FD2-9507-517AD3956A8E}" type="datetimeFigureOut">
+            <a:fld id="{EF2962D4-AD40-4A1C-AAF7-B99DF04BBB00}" type="datetimeFigureOut">
               <a:rPr lang="zh-CN" altLang="en-US" smtClean="0"/>
               <a:t>2024/3/10</a:t>
             </a:fld>
@@ -2674,7 +2674,7 @@
           <p:cNvPr id="6" name="页脚占位符 5">
             <a:extLst>
               <a:ext uri="{FF2B5EF4-FFF2-40B4-BE49-F238E27FC236}">
-                <a16:creationId xmlns:a16="http://schemas.microsoft.com/office/drawing/2014/main" id="{E8A292E4-53C8-CCD4-3057-4C7FFB67168A}"/>
+                <a16:creationId xmlns:a16="http://schemas.microsoft.com/office/drawing/2014/main" id="{B72BD4E7-8E52-408E-A477-F40BEDF739D5}"/>
               </a:ext>
             </a:extLst>
           </p:cNvPr>
@@ -2699,7 +2699,7 @@
           <p:cNvPr id="7" name="灯片编号占位符 6">
             <a:extLst>
               <a:ext uri="{FF2B5EF4-FFF2-40B4-BE49-F238E27FC236}">
-                <a16:creationId xmlns:a16="http://schemas.microsoft.com/office/drawing/2014/main" id="{56801B8D-1862-E227-E748-8796FD394808}"/>
+                <a16:creationId xmlns:a16="http://schemas.microsoft.com/office/drawing/2014/main" id="{CA9C01DF-9985-5944-C7A7-CE3BD7282972}"/>
               </a:ext>
             </a:extLst>
           </p:cNvPr>
@@ -2715,7 +2715,7 @@
           <a:bodyPr/>
           <a:lstStyle/>
           <a:p>
-            <a:fld id="{68CE0459-3032-4528-B363-12A9D68B2CE8}" type="slidenum">
+            <a:fld id="{E4E19B1C-6E56-4BDF-95B9-5DC6BD3A00DD}" type="slidenum">
               <a:rPr lang="zh-CN" altLang="en-US" smtClean="0"/>
               <a:t>‹#›</a:t>
             </a:fld>
@@ -2726,7 +2726,7 @@
     </p:spTree>
     <p:extLst>
       <p:ext uri="{BB962C8B-B14F-4D97-AF65-F5344CB8AC3E}">
-        <p14:creationId xmlns:p14="http://schemas.microsoft.com/office/powerpoint/2010/main" val="1382806193"/>
+        <p14:creationId xmlns:p14="http://schemas.microsoft.com/office/powerpoint/2010/main" val="2017293625"/>
       </p:ext>
     </p:extLst>
   </p:cSld>
@@ -2763,7 +2763,7 @@
           <p:cNvPr id="2" name="标题占位符 1">
             <a:extLst>
               <a:ext uri="{FF2B5EF4-FFF2-40B4-BE49-F238E27FC236}">
-                <a16:creationId xmlns:a16="http://schemas.microsoft.com/office/drawing/2014/main" id="{887752C6-1F99-7677-C24E-991CF9E99CD7}"/>
+                <a16:creationId xmlns:a16="http://schemas.microsoft.com/office/drawing/2014/main" id="{B2CACE35-3955-9D47-BBDD-34C23E40433F}"/>
               </a:ext>
             </a:extLst>
           </p:cNvPr>
@@ -2801,7 +2801,7 @@
           <p:cNvPr id="3" name="文本占位符 2">
             <a:extLst>
               <a:ext uri="{FF2B5EF4-FFF2-40B4-BE49-F238E27FC236}">
-                <a16:creationId xmlns:a16="http://schemas.microsoft.com/office/drawing/2014/main" id="{9EA2CD7F-2B8C-70BA-FF5C-ABEAE59A839B}"/>
+                <a16:creationId xmlns:a16="http://schemas.microsoft.com/office/drawing/2014/main" id="{415E30C7-333F-A593-DACF-FD849B6A5C4A}"/>
               </a:ext>
             </a:extLst>
           </p:cNvPr>
@@ -2868,7 +2868,7 @@
           <p:cNvPr id="4" name="日期占位符 3">
             <a:extLst>
               <a:ext uri="{FF2B5EF4-FFF2-40B4-BE49-F238E27FC236}">
-                <a16:creationId xmlns:a16="http://schemas.microsoft.com/office/drawing/2014/main" id="{304474BB-925A-3164-FED5-09013A310F84}"/>
+                <a16:creationId xmlns:a16="http://schemas.microsoft.com/office/drawing/2014/main" id="{47C1A7DB-DD4E-2A51-4423-386371D606A1}"/>
               </a:ext>
             </a:extLst>
           </p:cNvPr>
@@ -2902,7 +2902,7 @@
             </a:lvl1pPr>
           </a:lstStyle>
           <a:p>
-            <a:fld id="{7D308CE7-8877-4FD2-9507-517AD3956A8E}" type="datetimeFigureOut">
+            <a:fld id="{EF2962D4-AD40-4A1C-AAF7-B99DF04BBB00}" type="datetimeFigureOut">
               <a:rPr lang="zh-CN" altLang="en-US" smtClean="0"/>
               <a:t>2024/3/10</a:t>
             </a:fld>
@@ -2915,7 +2915,7 @@
           <p:cNvPr id="5" name="页脚占位符 4">
             <a:extLst>
               <a:ext uri="{FF2B5EF4-FFF2-40B4-BE49-F238E27FC236}">
-                <a16:creationId xmlns:a16="http://schemas.microsoft.com/office/drawing/2014/main" id="{86E1DA27-795F-128E-A23E-2D04A94B3B3F}"/>
+                <a16:creationId xmlns:a16="http://schemas.microsoft.com/office/drawing/2014/main" id="{6D3340C3-8256-3640-DFBC-8D8D97052FF3}"/>
               </a:ext>
             </a:extLst>
           </p:cNvPr>
@@ -2958,7 +2958,7 @@
           <p:cNvPr id="6" name="灯片编号占位符 5">
             <a:extLst>
               <a:ext uri="{FF2B5EF4-FFF2-40B4-BE49-F238E27FC236}">
-                <a16:creationId xmlns:a16="http://schemas.microsoft.com/office/drawing/2014/main" id="{022006A5-C7F7-431E-2CF4-A4C7EAD0E602}"/>
+                <a16:creationId xmlns:a16="http://schemas.microsoft.com/office/drawing/2014/main" id="{03975765-BF10-F1D9-4C99-B01AE9E2B7FA}"/>
               </a:ext>
             </a:extLst>
           </p:cNvPr>
@@ -2992,7 +2992,7 @@
             </a:lvl1pPr>
           </a:lstStyle>
           <a:p>
-            <a:fld id="{68CE0459-3032-4528-B363-12A9D68B2CE8}" type="slidenum">
+            <a:fld id="{E4E19B1C-6E56-4BDF-95B9-5DC6BD3A00DD}" type="slidenum">
               <a:rPr lang="zh-CN" altLang="en-US" smtClean="0"/>
               <a:t>‹#›</a:t>
             </a:fld>
@@ -3003,7 +3003,7 @@
     </p:spTree>
     <p:extLst>
       <p:ext uri="{BB962C8B-B14F-4D97-AF65-F5344CB8AC3E}">
-        <p14:creationId xmlns:p14="http://schemas.microsoft.com/office/powerpoint/2010/main" val="3641961199"/>
+        <p14:creationId xmlns:p14="http://schemas.microsoft.com/office/powerpoint/2010/main" val="3726627051"/>
       </p:ext>
     </p:extLst>
   </p:cSld>
